--- a/3. Back-end/1. JavaCore/3-2.Access Modifier trong java.pptx
+++ b/3. Back-end/1. JavaCore/3-2.Access Modifier trong java.pptx
@@ -3702,7 +3702,6 @@
               <a:rPr lang="en-GB" dirty="0"/>
               <a:t> class.</a:t>
             </a:r>
-            <a:endParaRPr lang="en-GB" dirty="0"/>
           </a:p>
         </p:txBody>
       </p:sp>
@@ -4006,6 +4005,13 @@
   <p:clrMapOvr>
     <a:masterClrMapping/>
   </p:clrMapOvr>
+  <p:timing>
+    <p:tnLst>
+      <p:par>
+        <p:cTn id="1" dur="indefinite" restart="never" nodeType="tmRoot"/>
+      </p:par>
+    </p:tnLst>
+  </p:timing>
 </p:sld>
 </file>
 
@@ -4247,6 +4253,13 @@
   <p:clrMapOvr>
     <a:masterClrMapping/>
   </p:clrMapOvr>
+  <p:timing>
+    <p:tnLst>
+      <p:par>
+        <p:cTn id="1" dur="indefinite" restart="never" nodeType="tmRoot"/>
+      </p:par>
+    </p:tnLst>
+  </p:timing>
 </p:sld>
 </file>
 
@@ -4483,6 +4496,13 @@
   <p:clrMapOvr>
     <a:masterClrMapping/>
   </p:clrMapOvr>
+  <p:timing>
+    <p:tnLst>
+      <p:par>
+        <p:cTn id="1" dur="indefinite" restart="never" nodeType="tmRoot"/>
+      </p:par>
+    </p:tnLst>
+  </p:timing>
 </p:sld>
 </file>
 
@@ -6872,7 +6892,6 @@
               <a:rPr lang="en-US" sz="3600" dirty="0" smtClean="0"/>
               <a:t> class</a:t>
             </a:r>
-            <a:endParaRPr lang="en-US" sz="3600" dirty="0" smtClean="0"/>
           </a:p>
           <a:p>
             <a:r>
@@ -7052,13 +7071,8 @@
             </a:r>
             <a:r>
               <a:rPr lang="en-US" sz="3600" dirty="0" smtClean="0"/>
-              <a:t> subclas</a:t>
-            </a:r>
-            <a:r>
-              <a:rPr lang="en-US" sz="3600" dirty="0" smtClean="0"/>
-              <a:t>s</a:t>
-            </a:r>
-            <a:endParaRPr lang="en-US" sz="3600" dirty="0" smtClean="0"/>
+              <a:t> subclass</a:t>
+            </a:r>
           </a:p>
           <a:p>
             <a:r>
@@ -7083,14 +7097,10 @@
             </a:r>
             <a:r>
               <a:rPr lang="en-US" sz="3600" dirty="0" err="1" smtClean="0"/>
-              <a:t>tron</a:t>
-            </a:r>
-            <a:r>
-              <a:rPr lang="en-US" sz="3600" dirty="0" err="1" smtClean="0"/>
-              <a:t>g</a:t>
-            </a:r>
-            <a:r>
-              <a:rPr lang="en-US" sz="3600" dirty="0" smtClean="0"/>
+              <a:t>ngoài</a:t>
+            </a:r>
+            <a:r>
+              <a:rPr lang="en-US" sz="3600" smtClean="0"/>
               <a:t> package </a:t>
             </a:r>
             <a:r>
@@ -7109,7 +7119,6 @@
               <a:rPr lang="en-US" sz="3600" dirty="0" smtClean="0"/>
               <a:t> qua subclass</a:t>
             </a:r>
-            <a:endParaRPr lang="en-US" sz="3600" dirty="0" smtClean="0"/>
           </a:p>
           <a:p>
             <a:endParaRPr lang="en-GB" dirty="0"/>
